--- a/Pertemuan1/Pengenalan C++_Pertemuan1_02-09-2023.pptx
+++ b/Pertemuan1/Pengenalan C++_Pertemuan1_02-09-2023.pptx
@@ -5432,7 +5432,47 @@
           <a:bodyPr/>
           <a:lstStyle/>
           <a:p>
-            <a:endParaRPr lang="en-ID"/>
+            <a:r>
+              <a:rPr lang="en-ID" dirty="0">
+                <a:hlinkClick r:id="rId2"/>
+              </a:rPr>
+              <a:t>https://bit.ly/BinusCPP2023</a:t>
+            </a:r>
+            <a:endParaRPr lang="en-ID" dirty="0"/>
+          </a:p>
+          <a:p>
+            <a:pPr lvl="1"/>
+            <a:r>
+              <a:rPr lang="en-ID" dirty="0"/>
+              <a:t>Branch : </a:t>
+            </a:r>
+            <a:r>
+              <a:rPr lang="en-ID" dirty="0" err="1"/>
+              <a:t>Materi</a:t>
+            </a:r>
+            <a:endParaRPr lang="en-ID" dirty="0"/>
+          </a:p>
+          <a:p>
+            <a:pPr lvl="1"/>
+            <a:r>
+              <a:rPr lang="en-ID" dirty="0"/>
+              <a:t>Branch : </a:t>
+            </a:r>
+            <a:r>
+              <a:rPr lang="en-ID" dirty="0" err="1"/>
+              <a:t>Tugas</a:t>
+            </a:r>
+            <a:r>
+              <a:rPr lang="en-ID" dirty="0"/>
+              <a:t> </a:t>
+            </a:r>
+          </a:p>
+          <a:p>
+            <a:pPr lvl="1"/>
+            <a:r>
+              <a:rPr lang="en-ID" dirty="0"/>
+              <a:t>Branch : Sample</a:t>
+            </a:r>
           </a:p>
         </p:txBody>
       </p:sp>

--- a/Pertemuan1/Pengenalan C++_Pertemuan1_02-09-2023.pptx
+++ b/Pertemuan1/Pengenalan C++_Pertemuan1_02-09-2023.pptx
@@ -5095,7 +5095,9 @@
         </p:nvSpPr>
         <p:spPr/>
         <p:txBody>
-          <a:bodyPr/>
+          <a:bodyPr>
+            <a:normAutofit lnSpcReduction="10000"/>
+          </a:bodyPr>
           <a:lstStyle/>
           <a:p>
             <a:r>
@@ -5111,6 +5113,23 @@
             <a:r>
               <a:rPr lang="en-US" dirty="0"/>
               <a:t>02-09-2023</a:t>
+            </a:r>
+          </a:p>
+          <a:p>
+            <a:endParaRPr lang="en-US" dirty="0"/>
+          </a:p>
+          <a:p>
+            <a:r>
+              <a:rPr lang="en-US" dirty="0"/>
+              <a:t>Herlambang </a:t>
+            </a:r>
+            <a:r>
+              <a:rPr lang="en-US" dirty="0" err="1"/>
+              <a:t>Rizky</a:t>
+            </a:r>
+            <a:r>
+              <a:rPr lang="en-US" dirty="0"/>
+              <a:t> - 085719431120</a:t>
             </a:r>
           </a:p>
         </p:txBody>
